--- a/橋.pptx
+++ b/橋.pptx
@@ -9,7 +9,11 @@
     <p:sldId id="257" r:id="rId3"/>
     <p:sldId id="258" r:id="rId4"/>
     <p:sldId id="259" r:id="rId5"/>
-    <p:sldId id="260" r:id="rId6"/>
+    <p:sldId id="261" r:id="rId6"/>
+    <p:sldId id="262" r:id="rId7"/>
+    <p:sldId id="263" r:id="rId8"/>
+    <p:sldId id="264" r:id="rId9"/>
+    <p:sldId id="260" r:id="rId10"/>
   </p:sldIdLst>
   <p:sldSz cx="9144000" cy="6858000" type="screen4x3"/>
   <p:notesSz cx="6858000" cy="9144000"/>
@@ -403,7 +407,7 @@
             <a:fld id="{DAE647A3-DAFE-471B-BBD9-DF372C21D9B2}" type="datetimeFigureOut">
               <a:rPr lang="zh-TW" altLang="en-US" smtClean="0"/>
               <a:pPr/>
-              <a:t>2016/6/18</a:t>
+              <a:t>2022/6/19</a:t>
             </a:fld>
             <a:endParaRPr lang="zh-TW" altLang="en-US"/>
           </a:p>
@@ -596,7 +600,7 @@
             <a:fld id="{DAE647A3-DAFE-471B-BBD9-DF372C21D9B2}" type="datetimeFigureOut">
               <a:rPr lang="zh-TW" altLang="en-US" smtClean="0"/>
               <a:pPr/>
-              <a:t>2016/6/18</a:t>
+              <a:t>2022/6/19</a:t>
             </a:fld>
             <a:endParaRPr lang="zh-TW" altLang="en-US"/>
           </a:p>
@@ -783,7 +787,7 @@
             <a:fld id="{DAE647A3-DAFE-471B-BBD9-DF372C21D9B2}" type="datetimeFigureOut">
               <a:rPr lang="zh-TW" altLang="en-US" smtClean="0"/>
               <a:pPr/>
-              <a:t>2016/6/18</a:t>
+              <a:t>2022/6/19</a:t>
             </a:fld>
             <a:endParaRPr lang="zh-TW" altLang="en-US"/>
           </a:p>
@@ -1048,7 +1052,7 @@
             <a:fld id="{DAE647A3-DAFE-471B-BBD9-DF372C21D9B2}" type="datetimeFigureOut">
               <a:rPr lang="zh-TW" altLang="en-US" smtClean="0"/>
               <a:pPr/>
-              <a:t>2016/6/18</a:t>
+              <a:t>2022/6/19</a:t>
             </a:fld>
             <a:endParaRPr lang="zh-TW" altLang="en-US"/>
           </a:p>
@@ -1466,7 +1470,7 @@
             <a:fld id="{DAE647A3-DAFE-471B-BBD9-DF372C21D9B2}" type="datetimeFigureOut">
               <a:rPr lang="zh-TW" altLang="en-US" smtClean="0"/>
               <a:pPr/>
-              <a:t>2016/6/18</a:t>
+              <a:t>2022/6/19</a:t>
             </a:fld>
             <a:endParaRPr lang="zh-TW" altLang="en-US"/>
           </a:p>
@@ -1710,7 +1714,7 @@
             <a:fld id="{DAE647A3-DAFE-471B-BBD9-DF372C21D9B2}" type="datetimeFigureOut">
               <a:rPr lang="zh-TW" altLang="en-US" smtClean="0"/>
               <a:pPr/>
-              <a:t>2016/6/18</a:t>
+              <a:t>2022/6/19</a:t>
             </a:fld>
             <a:endParaRPr lang="zh-TW" altLang="en-US"/>
           </a:p>
@@ -1948,7 +1952,7 @@
             <a:fld id="{DAE647A3-DAFE-471B-BBD9-DF372C21D9B2}" type="datetimeFigureOut">
               <a:rPr lang="zh-TW" altLang="en-US" smtClean="0"/>
               <a:pPr/>
-              <a:t>2016/6/18</a:t>
+              <a:t>2022/6/19</a:t>
             </a:fld>
             <a:endParaRPr lang="zh-TW" altLang="en-US"/>
           </a:p>
@@ -2145,7 +2149,7 @@
             <a:fld id="{DAE647A3-DAFE-471B-BBD9-DF372C21D9B2}" type="datetimeFigureOut">
               <a:rPr lang="zh-TW" altLang="en-US" smtClean="0"/>
               <a:pPr/>
-              <a:t>2016/6/18</a:t>
+              <a:t>2022/6/19</a:t>
             </a:fld>
             <a:endParaRPr lang="zh-TW" altLang="en-US"/>
           </a:p>
@@ -2245,7 +2249,7 @@
             <a:fld id="{DAE647A3-DAFE-471B-BBD9-DF372C21D9B2}" type="datetimeFigureOut">
               <a:rPr lang="zh-TW" altLang="en-US" smtClean="0"/>
               <a:pPr/>
-              <a:t>2016/6/18</a:t>
+              <a:t>2022/6/19</a:t>
             </a:fld>
             <a:endParaRPr lang="zh-TW" altLang="en-US"/>
           </a:p>
@@ -2383,7 +2387,7 @@
             <a:fld id="{DAE647A3-DAFE-471B-BBD9-DF372C21D9B2}" type="datetimeFigureOut">
               <a:rPr lang="zh-TW" altLang="en-US" smtClean="0"/>
               <a:pPr/>
-              <a:t>2016/6/18</a:t>
+              <a:t>2022/6/19</a:t>
             </a:fld>
             <a:endParaRPr lang="zh-TW" altLang="en-US"/>
           </a:p>
@@ -2903,7 +2907,7 @@
             <a:fld id="{DAE647A3-DAFE-471B-BBD9-DF372C21D9B2}" type="datetimeFigureOut">
               <a:rPr lang="zh-TW" altLang="en-US" smtClean="0"/>
               <a:pPr/>
-              <a:t>2016/6/18</a:t>
+              <a:t>2022/6/19</a:t>
             </a:fld>
             <a:endParaRPr lang="zh-TW" altLang="en-US"/>
           </a:p>
@@ -3166,7 +3170,7 @@
             <a:fld id="{DAE647A3-DAFE-471B-BBD9-DF372C21D9B2}" type="datetimeFigureOut">
               <a:rPr lang="zh-TW" altLang="en-US" smtClean="0"/>
               <a:pPr/>
-              <a:t>2016/6/18</a:t>
+              <a:t>2022/6/19</a:t>
             </a:fld>
             <a:endParaRPr lang="zh-TW" altLang="en-US"/>
           </a:p>
@@ -3752,7 +3756,7 @@
               <a:buNone/>
             </a:pPr>
             <a:r>
-              <a:rPr lang="zh-TW" altLang="en-US" sz="5400" cap="all" dirty="0"/>
+              <a:rPr lang="zh-TW" altLang="en-US" sz="5400" b="1" cap="all" dirty="0"/>
               <a:t>父母親從小撫育我</a:t>
             </a:r>
           </a:p>
@@ -3761,7 +3765,7 @@
               <a:buNone/>
             </a:pPr>
             <a:r>
-              <a:rPr lang="zh-TW" altLang="en-US" sz="5400" cap="all" dirty="0"/>
+              <a:rPr lang="zh-TW" altLang="en-US" sz="5400" b="1" cap="all" dirty="0"/>
               <a:t>栽種愛惜幼樹苗</a:t>
             </a:r>
           </a:p>
@@ -3770,14 +3774,14 @@
               <a:buNone/>
             </a:pPr>
             <a:r>
-              <a:rPr lang="zh-TW" altLang="en-US" sz="5400" cap="all" dirty="0"/>
+              <a:rPr lang="zh-TW" altLang="en-US" sz="5400" b="1" cap="all" dirty="0"/>
               <a:t>維護照料牽我</a:t>
             </a:r>
             <a:r>
-              <a:rPr lang="zh-TW" altLang="en-US" sz="5400" cap="all" dirty="0" smtClean="0"/>
+              <a:rPr lang="zh-TW" altLang="en-US" sz="5400" b="1" cap="all" dirty="0" smtClean="0"/>
               <a:t>手</a:t>
             </a:r>
-            <a:endParaRPr lang="zh-TW" altLang="en-US" sz="5400" cap="all" dirty="0"/>
+            <a:endParaRPr lang="zh-TW" altLang="en-US" sz="5400" b="1" cap="all" dirty="0"/>
           </a:p>
         </p:txBody>
       </p:sp>
@@ -3859,38 +3863,35 @@
               <a:buNone/>
             </a:pPr>
             <a:r>
-              <a:rPr lang="zh-TW" altLang="en-US" sz="5400" cap="all" dirty="0"/>
+              <a:rPr lang="zh-TW" altLang="en-US" sz="5400" b="1" cap="all" dirty="0"/>
               <a:t>父母親廷伸天父愛</a:t>
             </a:r>
-            <a:endParaRPr lang="zh-TW" altLang="en-US" sz="5400" b="1" cap="all" dirty="0"/>
           </a:p>
           <a:p>
             <a:pPr algn="ctr">
               <a:buNone/>
             </a:pPr>
             <a:r>
-              <a:rPr lang="zh-TW" altLang="en-US" sz="5400" cap="all" dirty="0"/>
+              <a:rPr lang="zh-TW" altLang="en-US" sz="5400" b="1" cap="all" dirty="0"/>
               <a:t>甘心獻身像道橋</a:t>
             </a:r>
-            <a:endParaRPr lang="zh-TW" altLang="en-US" sz="5400" b="1" cap="all" dirty="0"/>
           </a:p>
           <a:p>
             <a:pPr algn="ctr">
               <a:buNone/>
             </a:pPr>
             <a:r>
-              <a:rPr lang="zh-CN" altLang="en-US" sz="5400" cap="all" dirty="0" smtClean="0"/>
+              <a:rPr lang="zh-CN" altLang="en-US" sz="5400" b="1" cap="all" dirty="0" smtClean="0"/>
               <a:t>禍困</a:t>
             </a:r>
             <a:r>
-              <a:rPr lang="zh-TW" altLang="en-US" sz="5400" cap="all" dirty="0" smtClean="0"/>
+              <a:rPr lang="zh-TW" altLang="en-US" sz="5400" b="1" cap="all" dirty="0" smtClean="0"/>
               <a:t>凶險</a:t>
             </a:r>
             <a:r>
-              <a:rPr lang="zh-TW" altLang="en-US" sz="5400" cap="all" dirty="0"/>
+              <a:rPr lang="zh-TW" altLang="en-US" sz="5400" b="1" cap="all" dirty="0"/>
               <a:t>我不怕過</a:t>
             </a:r>
-            <a:endParaRPr lang="zh-TW" altLang="en-US" sz="5400" b="1" cap="all" dirty="0"/>
           </a:p>
         </p:txBody>
       </p:sp>
@@ -3972,30 +3973,27 @@
               <a:buNone/>
             </a:pPr>
             <a:r>
-              <a:rPr lang="zh-TW" altLang="en-US" sz="5400" cap="all" dirty="0"/>
+              <a:rPr lang="zh-TW" altLang="en-US" sz="5400" b="1" cap="all" dirty="0"/>
               <a:t>頌讚親恩仿似無邊大海洋</a:t>
             </a:r>
-            <a:endParaRPr lang="zh-TW" altLang="en-US" sz="5400" b="1" cap="all" dirty="0"/>
           </a:p>
           <a:p>
             <a:pPr algn="ctr">
               <a:buNone/>
             </a:pPr>
             <a:r>
-              <a:rPr lang="zh-TW" altLang="en-US" sz="5400" cap="all" dirty="0"/>
+              <a:rPr lang="zh-TW" altLang="en-US" sz="5400" b="1" cap="all" dirty="0"/>
               <a:t>惟願你我孝順</a:t>
             </a:r>
-            <a:endParaRPr lang="zh-TW" altLang="en-US" sz="5400" b="1" cap="all" dirty="0"/>
           </a:p>
           <a:p>
             <a:pPr algn="ctr">
               <a:buNone/>
             </a:pPr>
             <a:r>
-              <a:rPr lang="zh-TW" altLang="en-US" sz="5400" cap="all" dirty="0"/>
+              <a:rPr lang="zh-TW" altLang="en-US" sz="5400" b="1" cap="all" dirty="0"/>
               <a:t>祝福雙親康泰</a:t>
             </a:r>
-            <a:endParaRPr lang="zh-TW" altLang="en-US" sz="5400" b="1" cap="all" dirty="0"/>
           </a:p>
         </p:txBody>
       </p:sp>
@@ -4077,38 +4075,35 @@
               <a:buNone/>
             </a:pPr>
             <a:r>
-              <a:rPr lang="zh-TW" altLang="en-US" sz="5400" cap="all" dirty="0"/>
+              <a:rPr lang="zh-TW" altLang="en-US" sz="5400" b="1" cap="all" dirty="0"/>
               <a:t>父母親廷伸天父愛</a:t>
             </a:r>
-            <a:endParaRPr lang="zh-TW" altLang="en-US" sz="5400" b="1" cap="all" dirty="0"/>
           </a:p>
           <a:p>
             <a:pPr algn="ctr">
               <a:buNone/>
             </a:pPr>
             <a:r>
-              <a:rPr lang="zh-TW" altLang="en-US" sz="5400" cap="all" dirty="0"/>
+              <a:rPr lang="zh-TW" altLang="en-US" sz="5400" b="1" cap="all" dirty="0"/>
               <a:t>甘心獻身像道橋</a:t>
             </a:r>
-            <a:endParaRPr lang="zh-TW" altLang="en-US" sz="5400" b="1" cap="all" dirty="0"/>
           </a:p>
           <a:p>
             <a:pPr algn="ctr">
               <a:buNone/>
             </a:pPr>
             <a:r>
-              <a:rPr lang="zh-CN" altLang="en-US" sz="5400" cap="all" dirty="0" smtClean="0"/>
+              <a:rPr lang="zh-CN" altLang="en-US" sz="5400" b="1" cap="all" dirty="0" smtClean="0"/>
               <a:t>禍困</a:t>
             </a:r>
             <a:r>
-              <a:rPr lang="zh-TW" altLang="en-US" sz="5400" cap="all" dirty="0" smtClean="0"/>
+              <a:rPr lang="zh-TW" altLang="en-US" sz="5400" b="1" cap="all" dirty="0" smtClean="0"/>
               <a:t>凶險</a:t>
             </a:r>
             <a:r>
-              <a:rPr lang="zh-TW" altLang="en-US" sz="5400" cap="all" dirty="0"/>
+              <a:rPr lang="zh-TW" altLang="en-US" sz="5400" b="1" cap="all" dirty="0"/>
               <a:t>我不怕過</a:t>
             </a:r>
-            <a:endParaRPr lang="zh-TW" altLang="en-US" sz="5400" b="1" cap="all" dirty="0"/>
           </a:p>
         </p:txBody>
       </p:sp>
@@ -4179,12 +4174,7 @@
             <p:ph sz="quarter" idx="1"/>
           </p:nvPr>
         </p:nvSpPr>
-        <p:spPr>
-          <a:xfrm>
-            <a:off x="457200" y="1600200"/>
-            <a:ext cx="8229600" cy="5257800"/>
-          </a:xfrm>
-        </p:spPr>
+        <p:spPr/>
         <p:txBody>
           <a:bodyPr>
             <a:normAutofit/>
@@ -4195,31 +4185,463 @@
               <a:buNone/>
             </a:pPr>
             <a:r>
-              <a:rPr lang="zh-TW" altLang="en-US" sz="5400" cap="all" dirty="0"/>
+              <a:rPr lang="zh-TW" altLang="en-US" sz="5400" b="1" cap="all" dirty="0"/>
+              <a:t>父母親從小撫育我</a:t>
+            </a:r>
+          </a:p>
+          <a:p>
+            <a:pPr algn="ctr">
+              <a:buNone/>
+            </a:pPr>
+            <a:r>
+              <a:rPr lang="zh-TW" altLang="en-US" sz="5400" b="1" cap="all" dirty="0"/>
+              <a:t>栽種愛惜幼樹苗</a:t>
+            </a:r>
+          </a:p>
+          <a:p>
+            <a:pPr algn="ctr">
+              <a:buNone/>
+            </a:pPr>
+            <a:r>
+              <a:rPr lang="zh-TW" altLang="en-US" sz="5400" b="1" cap="all" dirty="0"/>
+              <a:t>維護照料牽我</a:t>
+            </a:r>
+            <a:r>
+              <a:rPr lang="zh-TW" altLang="en-US" sz="5400" b="1" cap="all" dirty="0" smtClean="0"/>
+              <a:t>手</a:t>
+            </a:r>
+            <a:endParaRPr lang="zh-TW" altLang="en-US" sz="5400" b="1" cap="all" dirty="0"/>
+          </a:p>
+        </p:txBody>
+      </p:sp>
+    </p:spTree>
+  </p:cSld>
+  <p:clrMapOvr>
+    <a:masterClrMapping/>
+  </p:clrMapOvr>
+  <p:timing>
+    <p:tnLst>
+      <p:par>
+        <p:cTn id="1" dur="indefinite" restart="never" nodeType="tmRoot"/>
+      </p:par>
+    </p:tnLst>
+  </p:timing>
+</p:sld>
+</file>
+
+<file path=ppt/slides/slide6.xml><?xml version="1.0" encoding="utf-8"?>
+<p:sld xmlns:a="http://schemas.openxmlformats.org/drawingml/2006/main" xmlns:r="http://schemas.openxmlformats.org/officeDocument/2006/relationships" xmlns:p="http://schemas.openxmlformats.org/presentationml/2006/main">
+  <p:cSld>
+    <p:spTree>
+      <p:nvGrpSpPr>
+        <p:cNvPr id="1" name=""/>
+        <p:cNvGrpSpPr/>
+        <p:nvPr/>
+      </p:nvGrpSpPr>
+      <p:grpSpPr>
+        <a:xfrm>
+          <a:off x="0" y="0"/>
+          <a:ext cx="0" cy="0"/>
+          <a:chOff x="0" y="0"/>
+          <a:chExt cx="0" cy="0"/>
+        </a:xfrm>
+      </p:grpSpPr>
+      <p:sp>
+        <p:nvSpPr>
+          <p:cNvPr id="4" name="標題 3"/>
+          <p:cNvSpPr>
+            <a:spLocks noGrp="1"/>
+          </p:cNvSpPr>
+          <p:nvPr>
+            <p:ph type="title"/>
+          </p:nvPr>
+        </p:nvSpPr>
+        <p:spPr/>
+        <p:txBody>
+          <a:bodyPr>
+            <a:normAutofit/>
+          </a:bodyPr>
+          <a:lstStyle/>
+          <a:p>
+            <a:r>
+              <a:rPr lang="zh-TW" altLang="en-US" cap="all" dirty="0" smtClean="0"/>
+              <a:t>橋</a:t>
+            </a:r>
+            <a:endParaRPr lang="zh-TW" altLang="en-US" dirty="0"/>
+          </a:p>
+        </p:txBody>
+      </p:sp>
+      <p:sp>
+        <p:nvSpPr>
+          <p:cNvPr id="5" name="內容版面配置區 4"/>
+          <p:cNvSpPr>
+            <a:spLocks noGrp="1"/>
+          </p:cNvSpPr>
+          <p:nvPr>
+            <p:ph sz="quarter" idx="1"/>
+          </p:nvPr>
+        </p:nvSpPr>
+        <p:spPr/>
+        <p:txBody>
+          <a:bodyPr>
+            <a:normAutofit/>
+          </a:bodyPr>
+          <a:lstStyle/>
+          <a:p>
+            <a:pPr algn="ctr">
+              <a:buNone/>
+            </a:pPr>
+            <a:r>
+              <a:rPr lang="zh-TW" altLang="en-US" sz="5400" b="1" cap="all" dirty="0"/>
+              <a:t>父母親廷伸天父愛</a:t>
+            </a:r>
+          </a:p>
+          <a:p>
+            <a:pPr algn="ctr">
+              <a:buNone/>
+            </a:pPr>
+            <a:r>
+              <a:rPr lang="zh-TW" altLang="en-US" sz="5400" b="1" cap="all" dirty="0"/>
+              <a:t>甘心獻身像道橋</a:t>
+            </a:r>
+          </a:p>
+          <a:p>
+            <a:pPr algn="ctr">
+              <a:buNone/>
+            </a:pPr>
+            <a:r>
+              <a:rPr lang="zh-CN" altLang="en-US" sz="5400" b="1" cap="all" dirty="0" smtClean="0"/>
+              <a:t>禍困</a:t>
+            </a:r>
+            <a:r>
+              <a:rPr lang="zh-TW" altLang="en-US" sz="5400" b="1" cap="all" dirty="0" smtClean="0"/>
+              <a:t>凶險</a:t>
+            </a:r>
+            <a:r>
+              <a:rPr lang="zh-TW" altLang="en-US" sz="5400" b="1" cap="all" dirty="0"/>
+              <a:t>我不怕過</a:t>
+            </a:r>
+          </a:p>
+        </p:txBody>
+      </p:sp>
+    </p:spTree>
+  </p:cSld>
+  <p:clrMapOvr>
+    <a:masterClrMapping/>
+  </p:clrMapOvr>
+  <p:timing>
+    <p:tnLst>
+      <p:par>
+        <p:cTn id="1" dur="indefinite" restart="never" nodeType="tmRoot"/>
+      </p:par>
+    </p:tnLst>
+  </p:timing>
+</p:sld>
+</file>
+
+<file path=ppt/slides/slide7.xml><?xml version="1.0" encoding="utf-8"?>
+<p:sld xmlns:a="http://schemas.openxmlformats.org/drawingml/2006/main" xmlns:r="http://schemas.openxmlformats.org/officeDocument/2006/relationships" xmlns:p="http://schemas.openxmlformats.org/presentationml/2006/main">
+  <p:cSld>
+    <p:spTree>
+      <p:nvGrpSpPr>
+        <p:cNvPr id="1" name=""/>
+        <p:cNvGrpSpPr/>
+        <p:nvPr/>
+      </p:nvGrpSpPr>
+      <p:grpSpPr>
+        <a:xfrm>
+          <a:off x="0" y="0"/>
+          <a:ext cx="0" cy="0"/>
+          <a:chOff x="0" y="0"/>
+          <a:chExt cx="0" cy="0"/>
+        </a:xfrm>
+      </p:grpSpPr>
+      <p:sp>
+        <p:nvSpPr>
+          <p:cNvPr id="4" name="標題 3"/>
+          <p:cNvSpPr>
+            <a:spLocks noGrp="1"/>
+          </p:cNvSpPr>
+          <p:nvPr>
+            <p:ph type="title"/>
+          </p:nvPr>
+        </p:nvSpPr>
+        <p:spPr/>
+        <p:txBody>
+          <a:bodyPr>
+            <a:normAutofit/>
+          </a:bodyPr>
+          <a:lstStyle/>
+          <a:p>
+            <a:r>
+              <a:rPr lang="zh-TW" altLang="en-US" cap="all" dirty="0" smtClean="0"/>
+              <a:t>橋</a:t>
+            </a:r>
+            <a:endParaRPr lang="zh-TW" altLang="en-US" dirty="0"/>
+          </a:p>
+        </p:txBody>
+      </p:sp>
+      <p:sp>
+        <p:nvSpPr>
+          <p:cNvPr id="5" name="內容版面配置區 4"/>
+          <p:cNvSpPr>
+            <a:spLocks noGrp="1"/>
+          </p:cNvSpPr>
+          <p:nvPr>
+            <p:ph sz="quarter" idx="1"/>
+          </p:nvPr>
+        </p:nvSpPr>
+        <p:spPr/>
+        <p:txBody>
+          <a:bodyPr>
+            <a:normAutofit/>
+          </a:bodyPr>
+          <a:lstStyle/>
+          <a:p>
+            <a:pPr algn="ctr">
+              <a:buNone/>
+            </a:pPr>
+            <a:r>
+              <a:rPr lang="zh-TW" altLang="en-US" sz="5400" b="1" cap="all" dirty="0"/>
+              <a:t>頌讚親恩仿似無邊大海洋</a:t>
+            </a:r>
+          </a:p>
+          <a:p>
+            <a:pPr algn="ctr">
+              <a:buNone/>
+            </a:pPr>
+            <a:r>
+              <a:rPr lang="zh-TW" altLang="en-US" sz="5400" b="1" cap="all" dirty="0"/>
+              <a:t>惟願你我孝順</a:t>
+            </a:r>
+          </a:p>
+          <a:p>
+            <a:pPr algn="ctr">
+              <a:buNone/>
+            </a:pPr>
+            <a:r>
+              <a:rPr lang="zh-TW" altLang="en-US" sz="5400" b="1" cap="all" dirty="0"/>
+              <a:t>祝福雙親康泰</a:t>
+            </a:r>
+          </a:p>
+        </p:txBody>
+      </p:sp>
+    </p:spTree>
+  </p:cSld>
+  <p:clrMapOvr>
+    <a:masterClrMapping/>
+  </p:clrMapOvr>
+  <p:timing>
+    <p:tnLst>
+      <p:par>
+        <p:cTn id="1" dur="indefinite" restart="never" nodeType="tmRoot"/>
+      </p:par>
+    </p:tnLst>
+  </p:timing>
+</p:sld>
+</file>
+
+<file path=ppt/slides/slide8.xml><?xml version="1.0" encoding="utf-8"?>
+<p:sld xmlns:a="http://schemas.openxmlformats.org/drawingml/2006/main" xmlns:r="http://schemas.openxmlformats.org/officeDocument/2006/relationships" xmlns:p="http://schemas.openxmlformats.org/presentationml/2006/main">
+  <p:cSld>
+    <p:spTree>
+      <p:nvGrpSpPr>
+        <p:cNvPr id="1" name=""/>
+        <p:cNvGrpSpPr/>
+        <p:nvPr/>
+      </p:nvGrpSpPr>
+      <p:grpSpPr>
+        <a:xfrm>
+          <a:off x="0" y="0"/>
+          <a:ext cx="0" cy="0"/>
+          <a:chOff x="0" y="0"/>
+          <a:chExt cx="0" cy="0"/>
+        </a:xfrm>
+      </p:grpSpPr>
+      <p:sp>
+        <p:nvSpPr>
+          <p:cNvPr id="4" name="標題 3"/>
+          <p:cNvSpPr>
+            <a:spLocks noGrp="1"/>
+          </p:cNvSpPr>
+          <p:nvPr>
+            <p:ph type="title"/>
+          </p:nvPr>
+        </p:nvSpPr>
+        <p:spPr/>
+        <p:txBody>
+          <a:bodyPr>
+            <a:normAutofit/>
+          </a:bodyPr>
+          <a:lstStyle/>
+          <a:p>
+            <a:r>
+              <a:rPr lang="zh-TW" altLang="en-US" cap="all" dirty="0" smtClean="0"/>
+              <a:t>橋</a:t>
+            </a:r>
+            <a:endParaRPr lang="zh-TW" altLang="en-US" dirty="0"/>
+          </a:p>
+        </p:txBody>
+      </p:sp>
+      <p:sp>
+        <p:nvSpPr>
+          <p:cNvPr id="5" name="內容版面配置區 4"/>
+          <p:cNvSpPr>
+            <a:spLocks noGrp="1"/>
+          </p:cNvSpPr>
+          <p:nvPr>
+            <p:ph sz="quarter" idx="1"/>
+          </p:nvPr>
+        </p:nvSpPr>
+        <p:spPr/>
+        <p:txBody>
+          <a:bodyPr>
+            <a:normAutofit/>
+          </a:bodyPr>
+          <a:lstStyle/>
+          <a:p>
+            <a:pPr algn="ctr">
+              <a:buNone/>
+            </a:pPr>
+            <a:r>
+              <a:rPr lang="zh-TW" altLang="en-US" sz="5400" b="1" cap="all" dirty="0"/>
+              <a:t>父母親廷伸天父愛</a:t>
+            </a:r>
+          </a:p>
+          <a:p>
+            <a:pPr algn="ctr">
+              <a:buNone/>
+            </a:pPr>
+            <a:r>
+              <a:rPr lang="zh-TW" altLang="en-US" sz="5400" b="1" cap="all" dirty="0"/>
+              <a:t>甘心獻身像道橋</a:t>
+            </a:r>
+          </a:p>
+          <a:p>
+            <a:pPr algn="ctr">
+              <a:buNone/>
+            </a:pPr>
+            <a:r>
+              <a:rPr lang="zh-CN" altLang="en-US" sz="5400" b="1" cap="all" dirty="0" smtClean="0"/>
+              <a:t>禍困</a:t>
+            </a:r>
+            <a:r>
+              <a:rPr lang="zh-TW" altLang="en-US" sz="5400" b="1" cap="all" dirty="0" smtClean="0"/>
+              <a:t>凶險</a:t>
+            </a:r>
+            <a:r>
+              <a:rPr lang="zh-TW" altLang="en-US" sz="5400" b="1" cap="all" dirty="0"/>
+              <a:t>我不怕過</a:t>
+            </a:r>
+          </a:p>
+        </p:txBody>
+      </p:sp>
+    </p:spTree>
+  </p:cSld>
+  <p:clrMapOvr>
+    <a:masterClrMapping/>
+  </p:clrMapOvr>
+  <p:timing>
+    <p:tnLst>
+      <p:par>
+        <p:cTn id="1" dur="indefinite" restart="never" nodeType="tmRoot"/>
+      </p:par>
+    </p:tnLst>
+  </p:timing>
+</p:sld>
+</file>
+
+<file path=ppt/slides/slide9.xml><?xml version="1.0" encoding="utf-8"?>
+<p:sld xmlns:a="http://schemas.openxmlformats.org/drawingml/2006/main" xmlns:r="http://schemas.openxmlformats.org/officeDocument/2006/relationships" xmlns:p="http://schemas.openxmlformats.org/presentationml/2006/main">
+  <p:cSld>
+    <p:spTree>
+      <p:nvGrpSpPr>
+        <p:cNvPr id="1" name=""/>
+        <p:cNvGrpSpPr/>
+        <p:nvPr/>
+      </p:nvGrpSpPr>
+      <p:grpSpPr>
+        <a:xfrm>
+          <a:off x="0" y="0"/>
+          <a:ext cx="0" cy="0"/>
+          <a:chOff x="0" y="0"/>
+          <a:chExt cx="0" cy="0"/>
+        </a:xfrm>
+      </p:grpSpPr>
+      <p:sp>
+        <p:nvSpPr>
+          <p:cNvPr id="4" name="標題 3"/>
+          <p:cNvSpPr>
+            <a:spLocks noGrp="1"/>
+          </p:cNvSpPr>
+          <p:nvPr>
+            <p:ph type="title"/>
+          </p:nvPr>
+        </p:nvSpPr>
+        <p:spPr/>
+        <p:txBody>
+          <a:bodyPr>
+            <a:normAutofit/>
+          </a:bodyPr>
+          <a:lstStyle/>
+          <a:p>
+            <a:r>
+              <a:rPr lang="zh-TW" altLang="en-US" cap="all" dirty="0" smtClean="0"/>
+              <a:t>橋</a:t>
+            </a:r>
+            <a:endParaRPr lang="zh-TW" altLang="en-US" dirty="0"/>
+          </a:p>
+        </p:txBody>
+      </p:sp>
+      <p:sp>
+        <p:nvSpPr>
+          <p:cNvPr id="5" name="內容版面配置區 4"/>
+          <p:cNvSpPr>
+            <a:spLocks noGrp="1"/>
+          </p:cNvSpPr>
+          <p:nvPr>
+            <p:ph sz="quarter" idx="1"/>
+          </p:nvPr>
+        </p:nvSpPr>
+        <p:spPr>
+          <a:xfrm>
+            <a:off x="457200" y="1600200"/>
+            <a:ext cx="8229600" cy="5257800"/>
+          </a:xfrm>
+        </p:spPr>
+        <p:txBody>
+          <a:bodyPr>
+            <a:normAutofit/>
+          </a:bodyPr>
+          <a:lstStyle/>
+          <a:p>
+            <a:pPr algn="ctr">
+              <a:buNone/>
+            </a:pPr>
+            <a:r>
+              <a:rPr lang="zh-TW" altLang="en-US" sz="5400" b="1" cap="all" dirty="0"/>
               <a:t>父母親年紀雖漸老</a:t>
             </a:r>
-            <a:endParaRPr lang="zh-TW" altLang="en-US" sz="5400" b="1" cap="all" dirty="0"/>
           </a:p>
           <a:p>
             <a:pPr algn="ctr">
               <a:buNone/>
             </a:pPr>
             <a:r>
-              <a:rPr lang="zh-TW" altLang="en-US" sz="5400" cap="all" dirty="0"/>
+              <a:rPr lang="zh-TW" altLang="en-US" sz="5400" b="1" cap="all" dirty="0"/>
               <a:t>一生獻身像道橋</a:t>
             </a:r>
-            <a:endParaRPr lang="zh-TW" altLang="en-US" sz="5400" b="1" cap="all" dirty="0"/>
           </a:p>
           <a:p>
             <a:pPr algn="ctr">
               <a:buNone/>
             </a:pPr>
             <a:r>
-              <a:rPr lang="zh-TW" altLang="en-US" sz="5400" cap="all" dirty="0"/>
+              <a:rPr lang="zh-TW" altLang="en-US" sz="5400" b="1" cap="all" dirty="0"/>
               <a:t>容讓你我在</a:t>
             </a:r>
             <a:r>
-              <a:rPr lang="zh-TW" altLang="en-US" sz="5400" cap="all" dirty="0" smtClean="0"/>
+              <a:rPr lang="zh-TW" altLang="en-US" sz="5400" b="1" cap="all" dirty="0" smtClean="0"/>
               <a:t>上面</a:t>
             </a:r>
             <a:endParaRPr lang="en-US" altLang="zh-TW" sz="5400" b="1" cap="all" dirty="0" smtClean="0"/>
@@ -4229,32 +4651,31 @@
               <a:buNone/>
             </a:pPr>
             <a:r>
-              <a:rPr lang="zh-TW" altLang="en-US" sz="5400" cap="all" dirty="0" smtClean="0"/>
+              <a:rPr lang="zh-TW" altLang="en-US" sz="5400" b="1" cap="all" dirty="0" smtClean="0"/>
               <a:t>輕輕鬆鬆</a:t>
             </a:r>
             <a:r>
-              <a:rPr lang="zh-TW" altLang="en-US" sz="5400" cap="all" dirty="0"/>
+              <a:rPr lang="zh-TW" altLang="en-US" sz="5400" b="1" cap="all" dirty="0"/>
               <a:t>再走</a:t>
             </a:r>
             <a:r>
-              <a:rPr lang="zh-TW" altLang="en-US" sz="5400" cap="all" dirty="0" smtClean="0"/>
+              <a:rPr lang="zh-TW" altLang="en-US" sz="5400" b="1" cap="all" dirty="0" smtClean="0"/>
               <a:t>過  再經過</a:t>
             </a:r>
-            <a:endParaRPr lang="en-US" altLang="zh-TW" sz="5400" cap="all" dirty="0" smtClean="0"/>
+            <a:endParaRPr lang="en-US" altLang="zh-TW" sz="5400" b="1" cap="all" dirty="0" smtClean="0"/>
           </a:p>
           <a:p>
             <a:pPr algn="ctr">
               <a:buNone/>
             </a:pPr>
             <a:r>
-              <a:rPr lang="zh-TW" altLang="en-US" sz="5400" cap="all" dirty="0" smtClean="0"/>
+              <a:rPr lang="zh-TW" altLang="en-US" sz="5400" b="1" cap="all" dirty="0" smtClean="0"/>
               <a:t>不分</a:t>
             </a:r>
             <a:r>
-              <a:rPr lang="zh-TW" altLang="en-US" sz="5400" cap="all" dirty="0"/>
+              <a:rPr lang="zh-TW" altLang="en-US" sz="5400" b="1" cap="all" dirty="0"/>
               <a:t>風雨渡過</a:t>
             </a:r>
-            <a:endParaRPr lang="zh-TW" altLang="en-US" sz="5400" b="1" cap="all" dirty="0"/>
           </a:p>
         </p:txBody>
       </p:sp>
